--- a/Img/citibike.pptx
+++ b/Img/citibike.pptx
@@ -246,7 +246,7 @@
           <a:p>
             <a:fld id="{B47BF597-9E7D-488C-8067-57D1E15B1EBB}" type="datetimeFigureOut">
               <a:rPr lang="en-US" smtClean="0"/>
-              <a:t>11/11/2024</a:t>
+              <a:t>2/9/2025</a:t>
             </a:fld>
             <a:endParaRPr lang="en-US"/>
           </a:p>
@@ -416,7 +416,7 @@
           <a:p>
             <a:fld id="{B47BF597-9E7D-488C-8067-57D1E15B1EBB}" type="datetimeFigureOut">
               <a:rPr lang="en-US" smtClean="0"/>
-              <a:t>11/11/2024</a:t>
+              <a:t>2/9/2025</a:t>
             </a:fld>
             <a:endParaRPr lang="en-US"/>
           </a:p>
@@ -596,7 +596,7 @@
           <a:p>
             <a:fld id="{B47BF597-9E7D-488C-8067-57D1E15B1EBB}" type="datetimeFigureOut">
               <a:rPr lang="en-US" smtClean="0"/>
-              <a:t>11/11/2024</a:t>
+              <a:t>2/9/2025</a:t>
             </a:fld>
             <a:endParaRPr lang="en-US"/>
           </a:p>
@@ -766,7 +766,7 @@
           <a:p>
             <a:fld id="{B47BF597-9E7D-488C-8067-57D1E15B1EBB}" type="datetimeFigureOut">
               <a:rPr lang="en-US" smtClean="0"/>
-              <a:t>11/11/2024</a:t>
+              <a:t>2/9/2025</a:t>
             </a:fld>
             <a:endParaRPr lang="en-US"/>
           </a:p>
@@ -1012,7 +1012,7 @@
           <a:p>
             <a:fld id="{B47BF597-9E7D-488C-8067-57D1E15B1EBB}" type="datetimeFigureOut">
               <a:rPr lang="en-US" smtClean="0"/>
-              <a:t>11/11/2024</a:t>
+              <a:t>2/9/2025</a:t>
             </a:fld>
             <a:endParaRPr lang="en-US"/>
           </a:p>
@@ -1244,7 +1244,7 @@
           <a:p>
             <a:fld id="{B47BF597-9E7D-488C-8067-57D1E15B1EBB}" type="datetimeFigureOut">
               <a:rPr lang="en-US" smtClean="0"/>
-              <a:t>11/11/2024</a:t>
+              <a:t>2/9/2025</a:t>
             </a:fld>
             <a:endParaRPr lang="en-US"/>
           </a:p>
@@ -1611,7 +1611,7 @@
           <a:p>
             <a:fld id="{B47BF597-9E7D-488C-8067-57D1E15B1EBB}" type="datetimeFigureOut">
               <a:rPr lang="en-US" smtClean="0"/>
-              <a:t>11/11/2024</a:t>
+              <a:t>2/9/2025</a:t>
             </a:fld>
             <a:endParaRPr lang="en-US"/>
           </a:p>
@@ -1729,7 +1729,7 @@
           <a:p>
             <a:fld id="{B47BF597-9E7D-488C-8067-57D1E15B1EBB}" type="datetimeFigureOut">
               <a:rPr lang="en-US" smtClean="0"/>
-              <a:t>11/11/2024</a:t>
+              <a:t>2/9/2025</a:t>
             </a:fld>
             <a:endParaRPr lang="en-US"/>
           </a:p>
@@ -1824,7 +1824,7 @@
           <a:p>
             <a:fld id="{B47BF597-9E7D-488C-8067-57D1E15B1EBB}" type="datetimeFigureOut">
               <a:rPr lang="en-US" smtClean="0"/>
-              <a:t>11/11/2024</a:t>
+              <a:t>2/9/2025</a:t>
             </a:fld>
             <a:endParaRPr lang="en-US"/>
           </a:p>
@@ -2101,7 +2101,7 @@
           <a:p>
             <a:fld id="{B47BF597-9E7D-488C-8067-57D1E15B1EBB}" type="datetimeFigureOut">
               <a:rPr lang="en-US" smtClean="0"/>
-              <a:t>11/11/2024</a:t>
+              <a:t>2/9/2025</a:t>
             </a:fld>
             <a:endParaRPr lang="en-US"/>
           </a:p>
@@ -2358,7 +2358,7 @@
           <a:p>
             <a:fld id="{B47BF597-9E7D-488C-8067-57D1E15B1EBB}" type="datetimeFigureOut">
               <a:rPr lang="en-US" smtClean="0"/>
-              <a:t>11/11/2024</a:t>
+              <a:t>2/9/2025</a:t>
             </a:fld>
             <a:endParaRPr lang="en-US"/>
           </a:p>
@@ -2571,7 +2571,7 @@
           <a:p>
             <a:fld id="{B47BF597-9E7D-488C-8067-57D1E15B1EBB}" type="datetimeFigureOut">
               <a:rPr lang="en-US" smtClean="0"/>
-              <a:t>11/11/2024</a:t>
+              <a:t>2/9/2025</a:t>
             </a:fld>
             <a:endParaRPr lang="en-US"/>
           </a:p>
@@ -2990,7 +2990,7 @@
         </p:nvSpPr>
         <p:spPr>
           <a:xfrm>
-            <a:off x="381476" y="202076"/>
+            <a:off x="568953" y="143477"/>
             <a:ext cx="9816472" cy="5323273"/>
           </a:xfrm>
           <a:prstGeom prst="roundRect">
@@ -3930,42 +3930,6 @@
       </p:sp>
       <p:pic>
         <p:nvPicPr>
-          <p:cNvPr id="31" name="Picture 30">
-            <a:extLst>
-              <a:ext uri="{FF2B5EF4-FFF2-40B4-BE49-F238E27FC236}">
-                <a16:creationId xmlns:a16="http://schemas.microsoft.com/office/drawing/2014/main" id="{AF095FED-2AB1-51AE-DF68-5BDE9A5ACC09}"/>
-              </a:ext>
-            </a:extLst>
-          </p:cNvPr>
-          <p:cNvPicPr>
-            <a:picLocks noChangeAspect="1"/>
-          </p:cNvPicPr>
-          <p:nvPr/>
-        </p:nvPicPr>
-        <p:blipFill>
-          <a:blip r:embed="rId2">
-            <a:extLst>
-              <a:ext uri="{28A0092B-C50C-407E-A947-70E740481C1C}">
-                <a14:useLocalDpi xmlns:a14="http://schemas.microsoft.com/office/drawing/2010/main" val="0"/>
-              </a:ext>
-            </a:extLst>
-          </a:blip>
-          <a:stretch>
-            <a:fillRect/>
-          </a:stretch>
-        </p:blipFill>
-        <p:spPr>
-          <a:xfrm>
-            <a:off x="1182152" y="1255067"/>
-            <a:ext cx="3067320" cy="3067320"/>
-          </a:xfrm>
-          <a:prstGeom prst="rect">
-            <a:avLst/>
-          </a:prstGeom>
-        </p:spPr>
-      </p:pic>
-      <p:pic>
-        <p:nvPicPr>
           <p:cNvPr id="11" name="Graphic 10" descr="Research with solid fill">
             <a:extLst>
               <a:ext uri="{FF2B5EF4-FFF2-40B4-BE49-F238E27FC236}">
@@ -3979,10 +3943,10 @@
           <p:nvPr/>
         </p:nvPicPr>
         <p:blipFill>
-          <a:blip r:embed="rId3">
+          <a:blip r:embed="rId2">
             <a:extLst>
               <a:ext uri="{96DAC541-7B7A-43D3-8B79-37D633B846F1}">
-                <asvg:svgBlip xmlns:asvg="http://schemas.microsoft.com/office/drawing/2016/SVG/main" r:embed="rId4"/>
+                <asvg:svgBlip xmlns:asvg="http://schemas.microsoft.com/office/drawing/2016/SVG/main" r:embed="rId3"/>
               </a:ext>
             </a:extLst>
           </a:blip>
@@ -4015,10 +3979,10 @@
           <p:nvPr/>
         </p:nvPicPr>
         <p:blipFill>
-          <a:blip r:embed="rId5">
+          <a:blip r:embed="rId4">
             <a:extLst>
               <a:ext uri="{96DAC541-7B7A-43D3-8B79-37D633B846F1}">
-                <asvg:svgBlip xmlns:asvg="http://schemas.microsoft.com/office/drawing/2016/SVG/main" r:embed="rId6"/>
+                <asvg:svgBlip xmlns:asvg="http://schemas.microsoft.com/office/drawing/2016/SVG/main" r:embed="rId5"/>
               </a:ext>
             </a:extLst>
           </a:blip>
@@ -4051,10 +4015,10 @@
           <p:nvPr/>
         </p:nvPicPr>
         <p:blipFill>
-          <a:blip r:embed="rId7">
+          <a:blip r:embed="rId6">
             <a:extLst>
               <a:ext uri="{96DAC541-7B7A-43D3-8B79-37D633B846F1}">
-                <asvg:svgBlip xmlns:asvg="http://schemas.microsoft.com/office/drawing/2016/SVG/main" r:embed="rId8"/>
+                <asvg:svgBlip xmlns:asvg="http://schemas.microsoft.com/office/drawing/2016/SVG/main" r:embed="rId7"/>
               </a:ext>
             </a:extLst>
           </a:blip>
@@ -4087,10 +4051,10 @@
           <p:nvPr/>
         </p:nvPicPr>
         <p:blipFill>
-          <a:blip r:embed="rId9">
+          <a:blip r:embed="rId8">
             <a:extLst>
               <a:ext uri="{96DAC541-7B7A-43D3-8B79-37D633B846F1}">
-                <asvg:svgBlip xmlns:asvg="http://schemas.microsoft.com/office/drawing/2016/SVG/main" r:embed="rId10"/>
+                <asvg:svgBlip xmlns:asvg="http://schemas.microsoft.com/office/drawing/2016/SVG/main" r:embed="rId9"/>
               </a:ext>
             </a:extLst>
           </a:blip>
@@ -4287,6 +4251,43 @@
           </a:p>
         </p:txBody>
       </p:sp>
+      <p:pic>
+        <p:nvPicPr>
+          <p:cNvPr id="13" name="Picture 12" descr="A picture containing bridge, building, outdoor, arch&#10;&#10;Description automatically generated">
+            <a:extLst>
+              <a:ext uri="{FF2B5EF4-FFF2-40B4-BE49-F238E27FC236}">
+                <a16:creationId xmlns:a16="http://schemas.microsoft.com/office/drawing/2014/main" id="{954E033C-A481-E9EF-F753-FDF5D7BA18B7}"/>
+              </a:ext>
+            </a:extLst>
+          </p:cNvPr>
+          <p:cNvPicPr>
+            <a:picLocks noChangeAspect="1"/>
+          </p:cNvPicPr>
+          <p:nvPr/>
+        </p:nvPicPr>
+        <p:blipFill>
+          <a:blip r:embed="rId10">
+            <a:alphaModFix amt="35000"/>
+            <a:extLst>
+              <a:ext uri="{28A0092B-C50C-407E-A947-70E740481C1C}">
+                <a14:useLocalDpi xmlns:a14="http://schemas.microsoft.com/office/drawing/2010/main" val="0"/>
+              </a:ext>
+            </a:extLst>
+          </a:blip>
+          <a:stretch>
+            <a:fillRect/>
+          </a:stretch>
+        </p:blipFill>
+        <p:spPr>
+          <a:xfrm>
+            <a:off x="1338598" y="1347117"/>
+            <a:ext cx="3447912" cy="2302370"/>
+          </a:xfrm>
+          <a:prstGeom prst="rect">
+            <a:avLst/>
+          </a:prstGeom>
+        </p:spPr>
+      </p:pic>
     </p:spTree>
     <p:extLst>
       <p:ext uri="{BB962C8B-B14F-4D97-AF65-F5344CB8AC3E}">
@@ -4331,8 +4332,8 @@
         </p:nvSpPr>
         <p:spPr>
           <a:xfrm>
-            <a:off x="381476" y="202076"/>
-            <a:ext cx="9816472" cy="5323273"/>
+            <a:off x="97553" y="238889"/>
+            <a:ext cx="10251045" cy="5599634"/>
           </a:xfrm>
           <a:prstGeom prst="roundRect">
             <a:avLst>
@@ -4383,7 +4384,7 @@
         </p:nvSpPr>
         <p:spPr>
           <a:xfrm rot="5400000">
-            <a:off x="-712853" y="2542808"/>
+            <a:off x="-907108" y="2535181"/>
             <a:ext cx="2442468" cy="641808"/>
           </a:xfrm>
           <a:prstGeom prst="roundRect">
@@ -4487,7 +4488,7 @@
         </p:blipFill>
         <p:spPr>
           <a:xfrm>
-            <a:off x="270828" y="2810022"/>
+            <a:off x="97555" y="2811870"/>
             <a:ext cx="475106" cy="475106"/>
           </a:xfrm>
           <a:prstGeom prst="rect">
@@ -4523,7 +4524,7 @@
         </p:blipFill>
         <p:spPr>
           <a:xfrm>
-            <a:off x="249846" y="2262472"/>
+            <a:off x="76573" y="2264320"/>
             <a:ext cx="475106" cy="475106"/>
           </a:xfrm>
           <a:prstGeom prst="rect">
@@ -4559,7 +4560,7 @@
         </p:blipFill>
         <p:spPr>
           <a:xfrm>
-            <a:off x="249846" y="1714922"/>
+            <a:off x="76573" y="1716770"/>
             <a:ext cx="475106" cy="475106"/>
           </a:xfrm>
           <a:prstGeom prst="rect">
@@ -4595,7 +4596,7 @@
         </p:blipFill>
         <p:spPr>
           <a:xfrm>
-            <a:off x="249846" y="3357572"/>
+            <a:off x="76573" y="3359420"/>
             <a:ext cx="475106" cy="475106"/>
           </a:xfrm>
           <a:prstGeom prst="rect">
@@ -4617,7 +4618,7 @@
         </p:nvSpPr>
         <p:spPr>
           <a:xfrm>
-            <a:off x="187477" y="2082306"/>
+            <a:off x="-6779" y="2072019"/>
             <a:ext cx="641808" cy="215444"/>
           </a:xfrm>
           <a:prstGeom prst="rect">
@@ -4653,7 +4654,7 @@
         </p:nvSpPr>
         <p:spPr>
           <a:xfrm>
-            <a:off x="172696" y="2640641"/>
+            <a:off x="-21560" y="2630354"/>
             <a:ext cx="641808" cy="215444"/>
           </a:xfrm>
           <a:prstGeom prst="rect">
@@ -4689,7 +4690,7 @@
         </p:nvSpPr>
         <p:spPr>
           <a:xfrm>
-            <a:off x="157915" y="3198976"/>
+            <a:off x="-36341" y="3188689"/>
             <a:ext cx="641808" cy="215444"/>
           </a:xfrm>
           <a:prstGeom prst="rect">
@@ -4725,7 +4726,7 @@
         </p:nvSpPr>
         <p:spPr>
           <a:xfrm>
-            <a:off x="143134" y="3757310"/>
+            <a:off x="-51122" y="3747023"/>
             <a:ext cx="641808" cy="215444"/>
           </a:xfrm>
           <a:prstGeom prst="rect">
@@ -4749,36 +4750,181 @@
       </p:sp>
       <p:sp>
         <p:nvSpPr>
-          <p:cNvPr id="25" name="TextBox 24">
+          <p:cNvPr id="3" name="Rectangle: Rounded Corners 2">
             <a:extLst>
               <a:ext uri="{FF2B5EF4-FFF2-40B4-BE49-F238E27FC236}">
-                <a16:creationId xmlns:a16="http://schemas.microsoft.com/office/drawing/2014/main" id="{50B686CA-715C-BBF0-327D-C8EBDA81C98C}"/>
+                <a16:creationId xmlns:a16="http://schemas.microsoft.com/office/drawing/2014/main" id="{44887500-EF6C-13B8-9FA2-5CDB08757A79}"/>
               </a:ext>
             </a:extLst>
           </p:cNvPr>
-          <p:cNvSpPr txBox="1"/>
+          <p:cNvSpPr/>
           <p:nvPr/>
         </p:nvSpPr>
         <p:spPr>
           <a:xfrm>
-            <a:off x="8153328" y="375250"/>
-            <a:ext cx="1698067" cy="215444"/>
-          </a:xfrm>
-          <a:prstGeom prst="rect">
-            <a:avLst/>
+            <a:off x="1417527" y="1235916"/>
+            <a:ext cx="1002192" cy="328454"/>
+          </a:xfrm>
+          <a:prstGeom prst="roundRect">
+            <a:avLst>
+              <a:gd name="adj" fmla="val 44536"/>
+            </a:avLst>
           </a:prstGeom>
-          <a:noFill/>
-        </p:spPr>
-        <p:txBody>
-          <a:bodyPr wrap="square" rtlCol="0">
-            <a:spAutoFit/>
-          </a:bodyPr>
-          <a:lstStyle/>
-          <a:p>
-            <a:r>
-              <a:rPr lang="en-US" sz="800" dirty="0"/>
-              <a:t>Developed by Damion Daley 2024</a:t>
-            </a:r>
+          <a:gradFill flip="none" rotWithShape="1">
+            <a:gsLst>
+              <a:gs pos="0">
+                <a:schemeClr val="accent1">
+                  <a:tint val="66000"/>
+                  <a:satMod val="160000"/>
+                </a:schemeClr>
+              </a:gs>
+              <a:gs pos="50000">
+                <a:schemeClr val="accent1">
+                  <a:tint val="44500"/>
+                  <a:satMod val="160000"/>
+                </a:schemeClr>
+              </a:gs>
+              <a:gs pos="100000">
+                <a:schemeClr val="accent1">
+                  <a:tint val="23500"/>
+                  <a:satMod val="160000"/>
+                </a:schemeClr>
+              </a:gs>
+            </a:gsLst>
+            <a:lin ang="10800000" scaled="1"/>
+            <a:tileRect/>
+          </a:gradFill>
+          <a:ln>
+            <a:noFill/>
+          </a:ln>
+          <a:effectLst>
+            <a:glow rad="139700">
+              <a:schemeClr val="tx2">
+                <a:lumMod val="10000"/>
+                <a:lumOff val="90000"/>
+                <a:alpha val="41000"/>
+              </a:schemeClr>
+            </a:glow>
+            <a:outerShdw blurRad="88900" dist="63500" dir="13200000" sx="99000" sy="99000" algn="br" rotWithShape="0">
+              <a:prstClr val="black">
+                <a:alpha val="33000"/>
+              </a:prstClr>
+            </a:outerShdw>
+            <a:softEdge rad="0"/>
+          </a:effectLst>
+        </p:spPr>
+        <p:style>
+          <a:lnRef idx="2">
+            <a:schemeClr val="accent1">
+              <a:shade val="15000"/>
+            </a:schemeClr>
+          </a:lnRef>
+          <a:fillRef idx="1">
+            <a:schemeClr val="accent1"/>
+          </a:fillRef>
+          <a:effectRef idx="0">
+            <a:schemeClr val="accent1"/>
+          </a:effectRef>
+          <a:fontRef idx="minor">
+            <a:schemeClr val="lt1"/>
+          </a:fontRef>
+        </p:style>
+        <p:txBody>
+          <a:bodyPr rtlCol="0" anchor="ctr"/>
+          <a:lstStyle/>
+          <a:p>
+            <a:pPr algn="ctr"/>
+            <a:endParaRPr lang="en-US"/>
+          </a:p>
+        </p:txBody>
+      </p:sp>
+      <p:sp>
+        <p:nvSpPr>
+          <p:cNvPr id="8" name="Rectangle: Rounded Corners 7">
+            <a:extLst>
+              <a:ext uri="{FF2B5EF4-FFF2-40B4-BE49-F238E27FC236}">
+                <a16:creationId xmlns:a16="http://schemas.microsoft.com/office/drawing/2014/main" id="{FD5C0726-2645-5EDA-E440-BEC905227116}"/>
+              </a:ext>
+            </a:extLst>
+          </p:cNvPr>
+          <p:cNvSpPr/>
+          <p:nvPr/>
+        </p:nvSpPr>
+        <p:spPr>
+          <a:xfrm>
+            <a:off x="4190520" y="1235916"/>
+            <a:ext cx="1002192" cy="328454"/>
+          </a:xfrm>
+          <a:prstGeom prst="roundRect">
+            <a:avLst>
+              <a:gd name="adj" fmla="val 44536"/>
+            </a:avLst>
+          </a:prstGeom>
+          <a:gradFill flip="none" rotWithShape="1">
+            <a:gsLst>
+              <a:gs pos="0">
+                <a:schemeClr val="accent1">
+                  <a:tint val="66000"/>
+                  <a:satMod val="160000"/>
+                </a:schemeClr>
+              </a:gs>
+              <a:gs pos="50000">
+                <a:schemeClr val="accent1">
+                  <a:tint val="44500"/>
+                  <a:satMod val="160000"/>
+                </a:schemeClr>
+              </a:gs>
+              <a:gs pos="100000">
+                <a:schemeClr val="accent1">
+                  <a:tint val="23500"/>
+                  <a:satMod val="160000"/>
+                </a:schemeClr>
+              </a:gs>
+            </a:gsLst>
+            <a:lin ang="10800000" scaled="1"/>
+            <a:tileRect/>
+          </a:gradFill>
+          <a:ln>
+            <a:noFill/>
+          </a:ln>
+          <a:effectLst>
+            <a:glow rad="139700">
+              <a:schemeClr val="tx2">
+                <a:lumMod val="10000"/>
+                <a:lumOff val="90000"/>
+                <a:alpha val="41000"/>
+              </a:schemeClr>
+            </a:glow>
+            <a:outerShdw blurRad="88900" dist="63500" dir="13200000" sx="99000" sy="99000" algn="br" rotWithShape="0">
+              <a:prstClr val="black">
+                <a:alpha val="33000"/>
+              </a:prstClr>
+            </a:outerShdw>
+            <a:softEdge rad="0"/>
+          </a:effectLst>
+        </p:spPr>
+        <p:style>
+          <a:lnRef idx="2">
+            <a:schemeClr val="accent1">
+              <a:shade val="15000"/>
+            </a:schemeClr>
+          </a:lnRef>
+          <a:fillRef idx="1">
+            <a:schemeClr val="accent1"/>
+          </a:fillRef>
+          <a:effectRef idx="0">
+            <a:schemeClr val="accent1"/>
+          </a:effectRef>
+          <a:fontRef idx="minor">
+            <a:schemeClr val="lt1"/>
+          </a:fontRef>
+        </p:style>
+        <p:txBody>
+          <a:bodyPr rtlCol="0" anchor="ctr"/>
+          <a:lstStyle/>
+          <a:p>
+            <a:pPr algn="ctr"/>
+            <a:endParaRPr lang="en-US"/>
           </a:p>
         </p:txBody>
       </p:sp>
